--- a/BeamPresentation.pptx
+++ b/BeamPresentation.pptx
@@ -108,6 +108,11 @@
       </a:defRPr>
     </a:lvl9pPr>
   </p:defaultTextStyle>
+  <p:extLst>
+    <p:ext uri="{EFAFB233-063F-42B5-8137-9DF3F51BA10A}">
+      <p15:sldGuideLst xmlns:p15="http://schemas.microsoft.com/office/powerpoint/2012/main"/>
+    </p:ext>
+  </p:extLst>
 </p:presentation>
 </file>
 
@@ -265,7 +270,7 @@
           <a:p>
             <a:fld id="{11EAACC7-3B3F-47D1-959A-EF58926E955E}" type="datetimeFigureOut">
               <a:rPr lang="en-US" smtClean="0"/>
-              <a:t>4/30/2024</a:t>
+              <a:t>5/1/2024</a:t>
             </a:fld>
             <a:endParaRPr lang="en-US"/>
           </a:p>
@@ -463,7 +468,7 @@
           <a:p>
             <a:fld id="{11EAACC7-3B3F-47D1-959A-EF58926E955E}" type="datetimeFigureOut">
               <a:rPr lang="en-US" smtClean="0"/>
-              <a:t>4/30/2024</a:t>
+              <a:t>5/1/2024</a:t>
             </a:fld>
             <a:endParaRPr lang="en-US"/>
           </a:p>
@@ -671,7 +676,7 @@
           <a:p>
             <a:fld id="{11EAACC7-3B3F-47D1-959A-EF58926E955E}" type="datetimeFigureOut">
               <a:rPr lang="en-US" smtClean="0"/>
-              <a:t>4/30/2024</a:t>
+              <a:t>5/1/2024</a:t>
             </a:fld>
             <a:endParaRPr lang="en-US"/>
           </a:p>
@@ -900,7 +905,7 @@
           <a:p>
             <a:fld id="{11EAACC7-3B3F-47D1-959A-EF58926E955E}" type="datetimeFigureOut">
               <a:rPr lang="en-US" smtClean="0"/>
-              <a:t>4/30/2024</a:t>
+              <a:t>5/1/2024</a:t>
             </a:fld>
             <a:endParaRPr lang="en-US" dirty="0"/>
           </a:p>
@@ -1175,7 +1180,7 @@
           <a:p>
             <a:fld id="{11EAACC7-3B3F-47D1-959A-EF58926E955E}" type="datetimeFigureOut">
               <a:rPr lang="en-US" smtClean="0"/>
-              <a:t>4/30/2024</a:t>
+              <a:t>5/1/2024</a:t>
             </a:fld>
             <a:endParaRPr lang="en-US"/>
           </a:p>
@@ -1441,7 +1446,7 @@
           <a:p>
             <a:fld id="{11EAACC7-3B3F-47D1-959A-EF58926E955E}" type="datetimeFigureOut">
               <a:rPr lang="en-US" smtClean="0"/>
-              <a:t>4/30/2024</a:t>
+              <a:t>5/1/2024</a:t>
             </a:fld>
             <a:endParaRPr lang="en-US"/>
           </a:p>
@@ -1858,7 +1863,7 @@
           <a:p>
             <a:fld id="{11EAACC7-3B3F-47D1-959A-EF58926E955E}" type="datetimeFigureOut">
               <a:rPr lang="en-US" smtClean="0"/>
-              <a:t>4/30/2024</a:t>
+              <a:t>5/1/2024</a:t>
             </a:fld>
             <a:endParaRPr lang="en-US"/>
           </a:p>
@@ -1999,7 +2004,7 @@
           <a:p>
             <a:fld id="{11EAACC7-3B3F-47D1-959A-EF58926E955E}" type="datetimeFigureOut">
               <a:rPr lang="en-US" smtClean="0"/>
-              <a:t>4/30/2024</a:t>
+              <a:t>5/1/2024</a:t>
             </a:fld>
             <a:endParaRPr lang="en-US"/>
           </a:p>
@@ -2112,7 +2117,7 @@
           <a:p>
             <a:fld id="{11EAACC7-3B3F-47D1-959A-EF58926E955E}" type="datetimeFigureOut">
               <a:rPr lang="en-US" smtClean="0"/>
-              <a:t>4/30/2024</a:t>
+              <a:t>5/1/2024</a:t>
             </a:fld>
             <a:endParaRPr lang="en-US"/>
           </a:p>
@@ -2423,7 +2428,7 @@
           <a:p>
             <a:fld id="{11EAACC7-3B3F-47D1-959A-EF58926E955E}" type="datetimeFigureOut">
               <a:rPr lang="en-US" smtClean="0"/>
-              <a:t>4/30/2024</a:t>
+              <a:t>5/1/2024</a:t>
             </a:fld>
             <a:endParaRPr lang="en-US"/>
           </a:p>
@@ -2714,7 +2719,7 @@
           <a:p>
             <a:fld id="{11EAACC7-3B3F-47D1-959A-EF58926E955E}" type="datetimeFigureOut">
               <a:rPr lang="en-US" smtClean="0"/>
-              <a:t>4/30/2024</a:t>
+              <a:t>5/1/2024</a:t>
             </a:fld>
             <a:endParaRPr lang="en-US"/>
           </a:p>
@@ -3271,7 +3276,7 @@
           <a:p>
             <a:fld id="{11EAACC7-3B3F-47D1-959A-EF58926E955E}" type="datetimeFigureOut">
               <a:rPr lang="en-US" smtClean="0"/>
-              <a:t>4/30/2024</a:t>
+              <a:t>5/1/2024</a:t>
             </a:fld>
             <a:endParaRPr lang="en-US"/>
           </a:p>
@@ -5587,18 +5592,18 @@
 </file>
 
 <file path=customXml/item2.xml><?xml version="1.0" encoding="utf-8"?>
+<p:properties xmlns:p="http://schemas.microsoft.com/office/2006/metadata/properties" xmlns:xsi="http://www.w3.org/2001/XMLSchema-instance" xmlns:pc="http://schemas.microsoft.com/office/infopath/2007/PartnerControls">
+  <documentManagement/>
+</p:properties>
+</file>
+
+<file path=customXml/item3.xml><?xml version="1.0" encoding="utf-8"?>
 <?mso-contentType ?>
 <FormTemplates xmlns="http://schemas.microsoft.com/sharepoint/v3/contenttype/forms">
   <Display>DocumentLibraryForm</Display>
   <Edit>DocumentLibraryForm</Edit>
   <New>DocumentLibraryForm</New>
 </FormTemplates>
-</file>
-
-<file path=customXml/item3.xml><?xml version="1.0" encoding="utf-8"?>
-<p:properties xmlns:p="http://schemas.microsoft.com/office/2006/metadata/properties" xmlns:xsi="http://www.w3.org/2001/XMLSchema-instance" xmlns:pc="http://schemas.microsoft.com/office/infopath/2007/PartnerControls">
-  <documentManagement/>
-</p:properties>
 </file>
 
 <file path=customXml/itemProps1.xml><?xml version="1.0" encoding="utf-8"?>
@@ -5620,14 +5625,6 @@
 </file>
 
 <file path=customXml/itemProps2.xml><?xml version="1.0" encoding="utf-8"?>
-<ds:datastoreItem xmlns:ds="http://schemas.openxmlformats.org/officeDocument/2006/customXml" ds:itemID="{63E6A016-8E3C-4638-9BBE-EDA784C5017E}">
-  <ds:schemaRefs>
-    <ds:schemaRef ds:uri="http://schemas.microsoft.com/sharepoint/v3/contenttype/forms"/>
-  </ds:schemaRefs>
-</ds:datastoreItem>
-</file>
-
-<file path=customXml/itemProps3.xml><?xml version="1.0" encoding="utf-8"?>
 <ds:datastoreItem xmlns:ds="http://schemas.openxmlformats.org/officeDocument/2006/customXml" ds:itemID="{4F555A76-513E-462D-83C4-789F7950F0F5}">
   <ds:schemaRefs>
     <ds:schemaRef ds:uri="http://purl.org/dc/terms/"/>
@@ -5641,4 +5638,12 @@
     <ds:schemaRef ds:uri="http://www.w3.org/XML/1998/namespace"/>
   </ds:schemaRefs>
 </ds:datastoreItem>
+</file>
+
+<file path=customXml/itemProps3.xml><?xml version="1.0" encoding="utf-8"?>
+<ds:datastoreItem xmlns:ds="http://schemas.openxmlformats.org/officeDocument/2006/customXml" ds:itemID="{63E6A016-8E3C-4638-9BBE-EDA784C5017E}">
+  <ds:schemaRefs>
+    <ds:schemaRef ds:uri="http://schemas.microsoft.com/sharepoint/v3/contenttype/forms"/>
+  </ds:schemaRefs>
+</ds:datastoreItem>
 </file>